--- a/이전스터디내용/[발표PPT]VisionStorage.pptx
+++ b/이전스터디내용/[발표PPT]VisionStorage.pptx
@@ -6,10 +6,10 @@
     <p:sldMasterId id="2147484069" r:id="rId2"/>
   </p:sldMasterIdLst>
   <p:notesMasterIdLst>
-    <p:notesMasterId r:id="rId24"/>
+    <p:notesMasterId r:id="rId23"/>
   </p:notesMasterIdLst>
   <p:handoutMasterIdLst>
-    <p:handoutMasterId r:id="rId25"/>
+    <p:handoutMasterId r:id="rId24"/>
   </p:handoutMasterIdLst>
   <p:sldIdLst>
     <p:sldId id="351" r:id="rId3"/>
@@ -32,7 +32,6 @@
     <p:sldId id="370" r:id="rId20"/>
     <p:sldId id="371" r:id="rId21"/>
     <p:sldId id="372" r:id="rId22"/>
-    <p:sldId id="376" r:id="rId23"/>
   </p:sldIdLst>
   <p:sldSz cx="9361488" cy="6408738"/>
   <p:notesSz cx="6858000" cy="9144000"/>
@@ -156,7 +155,6 @@
             <p14:sldId id="370"/>
             <p14:sldId id="371"/>
             <p14:sldId id="372"/>
-            <p14:sldId id="376"/>
           </p14:sldIdLst>
         </p14:section>
       </p14:sectionLst>
@@ -278,7 +276,7 @@
           <a:p>
             <a:fld id="{5E1287FE-776F-4D1B-A713-47B3374E9686}" type="datetimeFigureOut">
               <a:rPr lang="ko-KR" altLang="en-US" smtClean="0"/>
-              <a:t>2018-02-27</a:t>
+              <a:t>2018-01-05</a:t>
             </a:fld>
             <a:endParaRPr lang="ko-KR" altLang="en-US"/>
           </a:p>
@@ -455,7 +453,7 @@
           <a:p>
             <a:fld id="{AB99A078-7987-4461-8469-7453C7AF5D4A}" type="datetimeFigureOut">
               <a:rPr lang="ko-KR" altLang="en-US" smtClean="0"/>
-              <a:t>2018-02-27</a:t>
+              <a:t>2018-01-05</a:t>
             </a:fld>
             <a:endParaRPr lang="ko-KR" altLang="en-US"/>
           </a:p>
@@ -1372,7 +1370,7 @@
             <a:fld id="{EEE8D105-A473-495D-B792-09409D51E948}" type="datetime1">
               <a:rPr lang="ko-KR" altLang="en-US" smtClean="0"/>
               <a:pPr/>
-              <a:t>2018-02-27</a:t>
+              <a:t>2018-01-05</a:t>
             </a:fld>
             <a:endParaRPr lang="ko-KR" altLang="en-US"/>
           </a:p>
@@ -1662,7 +1660,7 @@
           <a:p>
             <a:fld id="{7486F97D-ECF3-4F9E-99D3-CE230241A956}" type="datetime1">
               <a:rPr lang="ko-KR" altLang="en-US" smtClean="0"/>
-              <a:t>2018-02-27</a:t>
+              <a:t>2018-01-05</a:t>
             </a:fld>
             <a:endParaRPr lang="ko-KR" altLang="en-US"/>
           </a:p>
@@ -1914,7 +1912,7 @@
           <a:p>
             <a:fld id="{38728E00-6A23-42ED-A3F6-EDA6F327EF4F}" type="datetime1">
               <a:rPr lang="ko-KR" altLang="en-US" smtClean="0"/>
-              <a:t>2018-02-27</a:t>
+              <a:t>2018-01-05</a:t>
             </a:fld>
             <a:endParaRPr lang="ko-KR" altLang="en-US"/>
           </a:p>
@@ -2082,7 +2080,7 @@
           <a:p>
             <a:fld id="{9BEEE5D4-408B-49D1-AE45-3CE00485EA94}" type="datetime1">
               <a:rPr lang="ko-KR" altLang="en-US" smtClean="0"/>
-              <a:t>2018-02-27</a:t>
+              <a:t>2018-01-05</a:t>
             </a:fld>
             <a:endParaRPr lang="ko-KR" altLang="en-US"/>
           </a:p>
@@ -2260,7 +2258,7 @@
           <a:p>
             <a:fld id="{5E4D13BE-F119-4590-8866-A6A6058C647A}" type="datetime1">
               <a:rPr lang="ko-KR" altLang="en-US" smtClean="0"/>
-              <a:t>2018-02-27</a:t>
+              <a:t>2018-01-05</a:t>
             </a:fld>
             <a:endParaRPr lang="ko-KR" altLang="en-US"/>
           </a:p>
@@ -2508,7 +2506,7 @@
           <a:p>
             <a:fld id="{7DA44C9C-E70D-4D59-A503-71A90F7C03F8}" type="datetime1">
               <a:rPr lang="ko-KR" altLang="en-US" smtClean="0"/>
-              <a:t>2018-02-27</a:t>
+              <a:t>2018-01-05</a:t>
             </a:fld>
             <a:endParaRPr lang="ko-KR" altLang="en-US"/>
           </a:p>
@@ -2736,7 +2734,7 @@
           <a:p>
             <a:fld id="{35BB4FC9-0787-450A-A12E-2CCFA48D581B}" type="datetime1">
               <a:rPr lang="ko-KR" altLang="en-US" smtClean="0"/>
-              <a:t>2018-02-27</a:t>
+              <a:t>2018-01-05</a:t>
             </a:fld>
             <a:endParaRPr lang="ko-KR" altLang="en-US"/>
           </a:p>
@@ -3041,7 +3039,7 @@
           <a:p>
             <a:fld id="{1EAEBD3F-1505-4ACA-AAE6-5548307AF42B}" type="datetime1">
               <a:rPr lang="ko-KR" altLang="en-US" smtClean="0"/>
-              <a:t>2018-02-27</a:t>
+              <a:t>2018-01-05</a:t>
             </a:fld>
             <a:endParaRPr lang="ko-KR" altLang="en-US"/>
           </a:p>
@@ -3458,7 +3456,7 @@
           <a:p>
             <a:fld id="{D7A29A98-1509-4244-82AA-2F5951607359}" type="datetime1">
               <a:rPr lang="ko-KR" altLang="en-US" smtClean="0"/>
-              <a:t>2018-02-27</a:t>
+              <a:t>2018-01-05</a:t>
             </a:fld>
             <a:endParaRPr lang="ko-KR" altLang="en-US"/>
           </a:p>
@@ -3743,7 +3741,7 @@
           <a:p>
             <a:fld id="{D8B7EAAE-E105-499F-BCE6-736B3C62047A}" type="datetime1">
               <a:rPr lang="ko-KR" altLang="en-US" smtClean="0"/>
-              <a:t>2018-02-27</a:t>
+              <a:t>2018-01-05</a:t>
             </a:fld>
             <a:endParaRPr lang="ko-KR" altLang="en-US"/>
           </a:p>
@@ -4162,7 +4160,7 @@
           <a:p>
             <a:fld id="{E7FB0140-6687-457E-B8F4-9BDC3C60410D}" type="datetime1">
               <a:rPr lang="ko-KR" altLang="en-US" smtClean="0"/>
-              <a:t>2018-02-27</a:t>
+              <a:t>2018-01-05</a:t>
             </a:fld>
             <a:endParaRPr lang="ko-KR" altLang="en-US"/>
           </a:p>
@@ -4387,7 +4385,7 @@
           <a:p>
             <a:fld id="{0CEB63F8-4126-4595-A0DE-38B9D056CFA4}" type="datetime1">
               <a:rPr lang="ko-KR" altLang="en-US" smtClean="0"/>
-              <a:t>2018-02-27</a:t>
+              <a:t>2018-01-05</a:t>
             </a:fld>
             <a:endParaRPr lang="ko-KR" altLang="en-US"/>
           </a:p>
@@ -4515,7 +4513,7 @@
           <a:p>
             <a:fld id="{92467C3C-B0E4-4432-9E0F-5B21C9EB0B7B}" type="datetime1">
               <a:rPr lang="ko-KR" altLang="en-US" smtClean="0"/>
-              <a:t>2018-02-27</a:t>
+              <a:t>2018-01-05</a:t>
             </a:fld>
             <a:endParaRPr lang="ko-KR" altLang="en-US"/>
           </a:p>
@@ -4610,7 +4608,7 @@
           <a:p>
             <a:fld id="{7D4BA28B-6AC4-48A2-A901-7F6374463681}" type="datetime1">
               <a:rPr lang="ko-KR" altLang="en-US" smtClean="0"/>
-              <a:t>2018-02-27</a:t>
+              <a:t>2018-01-05</a:t>
             </a:fld>
             <a:endParaRPr lang="ko-KR" altLang="en-US"/>
           </a:p>
@@ -4885,7 +4883,7 @@
           <a:p>
             <a:fld id="{2714205E-30A5-4F83-850F-8B4D294FC275}" type="datetime1">
               <a:rPr lang="ko-KR" altLang="en-US" smtClean="0"/>
-              <a:t>2018-02-27</a:t>
+              <a:t>2018-01-05</a:t>
             </a:fld>
             <a:endParaRPr lang="ko-KR" altLang="en-US"/>
           </a:p>
@@ -5137,7 +5135,7 @@
           <a:p>
             <a:fld id="{19A99AD8-EFAA-40AA-92CB-3DE90DF775DA}" type="datetime1">
               <a:rPr lang="ko-KR" altLang="en-US" smtClean="0"/>
-              <a:t>2018-02-27</a:t>
+              <a:t>2018-01-05</a:t>
             </a:fld>
             <a:endParaRPr lang="ko-KR" altLang="en-US"/>
           </a:p>
@@ -5305,7 +5303,7 @@
           <a:p>
             <a:fld id="{898B28A9-7B53-4F1D-AA8A-43D7152296D6}" type="datetime1">
               <a:rPr lang="ko-KR" altLang="en-US" smtClean="0"/>
-              <a:t>2018-02-27</a:t>
+              <a:t>2018-01-05</a:t>
             </a:fld>
             <a:endParaRPr lang="ko-KR" altLang="en-US"/>
           </a:p>
@@ -5483,7 +5481,7 @@
           <a:p>
             <a:fld id="{FE56CAF6-C20E-4122-A875-8055CB44474E}" type="datetime1">
               <a:rPr lang="ko-KR" altLang="en-US" smtClean="0"/>
-              <a:t>2018-02-27</a:t>
+              <a:t>2018-01-05</a:t>
             </a:fld>
             <a:endParaRPr lang="ko-KR" altLang="en-US"/>
           </a:p>
@@ -5735,7 +5733,7 @@
           <a:p>
             <a:fld id="{2BB61BDC-B0ED-4804-A88C-81B28739FBF8}" type="datetime1">
               <a:rPr lang="ko-KR" altLang="en-US" smtClean="0"/>
-              <a:t>2018-02-27</a:t>
+              <a:t>2018-01-05</a:t>
             </a:fld>
             <a:endParaRPr lang="ko-KR" altLang="en-US"/>
           </a:p>
@@ -6002,7 +6000,7 @@
           <a:p>
             <a:fld id="{22DF1ECB-4838-4D49-8952-35FB8A3997C1}" type="datetime1">
               <a:rPr lang="ko-KR" altLang="en-US" smtClean="0"/>
-              <a:t>2018-02-27</a:t>
+              <a:t>2018-01-05</a:t>
             </a:fld>
             <a:endParaRPr lang="ko-KR" altLang="en-US"/>
           </a:p>
@@ -6376,7 +6374,7 @@
           <a:p>
             <a:fld id="{A658F421-AD10-4F9D-A8EE-781C699EBFF5}" type="datetime1">
               <a:rPr lang="ko-KR" altLang="en-US" smtClean="0"/>
-              <a:t>2018-02-27</a:t>
+              <a:t>2018-01-05</a:t>
             </a:fld>
             <a:endParaRPr lang="ko-KR" altLang="en-US"/>
           </a:p>
@@ -6661,7 +6659,7 @@
           <a:p>
             <a:fld id="{D7A2590E-75AE-41AD-AAB7-A0794B800105}" type="datetime1">
               <a:rPr lang="ko-KR" altLang="en-US" smtClean="0"/>
-              <a:t>2018-02-27</a:t>
+              <a:t>2018-01-05</a:t>
             </a:fld>
             <a:endParaRPr lang="ko-KR" altLang="en-US"/>
           </a:p>
@@ -7126,7 +7124,7 @@
           <a:p>
             <a:fld id="{AC21CDFC-2488-4B62-B25D-D724676C1136}" type="datetime1">
               <a:rPr lang="ko-KR" altLang="en-US" smtClean="0"/>
-              <a:t>2018-02-27</a:t>
+              <a:t>2018-01-05</a:t>
             </a:fld>
             <a:endParaRPr lang="ko-KR" altLang="en-US"/>
           </a:p>
@@ -7269,7 +7267,7 @@
           <a:p>
             <a:fld id="{FB116C88-9741-4661-80E3-1574A0BB4267}" type="datetime1">
               <a:rPr lang="ko-KR" altLang="en-US" smtClean="0"/>
-              <a:t>2018-02-27</a:t>
+              <a:t>2018-01-05</a:t>
             </a:fld>
             <a:endParaRPr lang="ko-KR" altLang="en-US"/>
           </a:p>
@@ -7364,7 +7362,7 @@
           <a:p>
             <a:fld id="{D63A5B74-B15E-4A4B-8205-07D7F5F3D6ED}" type="datetime1">
               <a:rPr lang="ko-KR" altLang="en-US" smtClean="0"/>
-              <a:t>2018-02-27</a:t>
+              <a:t>2018-01-05</a:t>
             </a:fld>
             <a:endParaRPr lang="ko-KR" altLang="en-US"/>
           </a:p>
@@ -7577,7 +7575,7 @@
           <a:p>
             <a:fld id="{E96128F2-3091-42C9-886B-2219534F619A}" type="datetime1">
               <a:rPr lang="ko-KR" altLang="en-US" smtClean="0"/>
-              <a:t>2018-02-27</a:t>
+              <a:t>2018-01-05</a:t>
             </a:fld>
             <a:endParaRPr lang="ko-KR" altLang="en-US"/>
           </a:p>
@@ -8101,7 +8099,7 @@
           <a:p>
             <a:fld id="{7CDEAE52-0B4E-4715-9D98-5A5EEE80C814}" type="datetime1">
               <a:rPr lang="ko-KR" altLang="en-US" smtClean="0"/>
-              <a:t>2018-02-27</a:t>
+              <a:t>2018-01-05</a:t>
             </a:fld>
             <a:endParaRPr lang="ko-KR" altLang="en-US"/>
           </a:p>
@@ -10683,168 +10681,6 @@
     <p:extLst>
       <p:ext uri="{BB962C8B-B14F-4D97-AF65-F5344CB8AC3E}">
         <p14:creationId xmlns:p14="http://schemas.microsoft.com/office/powerpoint/2010/main" val="2355780986"/>
-      </p:ext>
-    </p:extLst>
-  </p:cSld>
-  <p:clrMapOvr>
-    <a:masterClrMapping/>
-  </p:clrMapOvr>
-</p:sld>
-</file>
-
-<file path=ppt/slides/slide21.xml><?xml version="1.0" encoding="utf-8"?>
-<p:sld xmlns:a="http://schemas.openxmlformats.org/drawingml/2006/main" xmlns:r="http://schemas.openxmlformats.org/officeDocument/2006/relationships" xmlns:p="http://schemas.openxmlformats.org/presentationml/2006/main">
-  <p:cSld>
-    <p:spTree>
-      <p:nvGrpSpPr>
-        <p:cNvPr id="1" name=""/>
-        <p:cNvGrpSpPr/>
-        <p:nvPr/>
-      </p:nvGrpSpPr>
-      <p:grpSpPr>
-        <a:xfrm>
-          <a:off x="0" y="0"/>
-          <a:ext cx="0" cy="0"/>
-          <a:chOff x="0" y="0"/>
-          <a:chExt cx="0" cy="0"/>
-        </a:xfrm>
-      </p:grpSpPr>
-      <p:sp>
-        <p:nvSpPr>
-          <p:cNvPr id="2" name="제목 1">
-            <a:extLst>
-              <a:ext uri="{FF2B5EF4-FFF2-40B4-BE49-F238E27FC236}">
-                <a16:creationId xmlns:a16="http://schemas.microsoft.com/office/drawing/2014/main" id="{84EB05D3-FC85-4319-8639-37F6E497CBCF}"/>
-              </a:ext>
-            </a:extLst>
-          </p:cNvPr>
-          <p:cNvSpPr>
-            <a:spLocks noGrp="1"/>
-          </p:cNvSpPr>
-          <p:nvPr>
-            <p:ph type="title"/>
-          </p:nvPr>
-        </p:nvSpPr>
-        <p:spPr/>
-        <p:txBody>
-          <a:bodyPr/>
-          <a:lstStyle/>
-          <a:p>
-            <a:r>
-              <a:rPr lang="en-US" altLang="ko-KR" dirty="0"/>
-              <a:t>Reference </a:t>
-            </a:r>
-            <a:endParaRPr lang="ko-KR" altLang="en-US" dirty="0"/>
-          </a:p>
-        </p:txBody>
-      </p:sp>
-      <p:sp>
-        <p:nvSpPr>
-          <p:cNvPr id="3" name="내용 개체 틀 2">
-            <a:extLst>
-              <a:ext uri="{FF2B5EF4-FFF2-40B4-BE49-F238E27FC236}">
-                <a16:creationId xmlns:a16="http://schemas.microsoft.com/office/drawing/2014/main" id="{E1069200-65DE-4019-B83E-482E25258AC9}"/>
-              </a:ext>
-            </a:extLst>
-          </p:cNvPr>
-          <p:cNvSpPr>
-            <a:spLocks noGrp="1"/>
-          </p:cNvSpPr>
-          <p:nvPr>
-            <p:ph idx="1"/>
-          </p:nvPr>
-        </p:nvSpPr>
-        <p:spPr/>
-        <p:txBody>
-          <a:bodyPr/>
-          <a:lstStyle/>
-          <a:p>
-            <a:r>
-              <a:rPr lang="en-US" altLang="ko-KR" dirty="0"/>
-              <a:t>1. </a:t>
-            </a:r>
-            <a:r>
-              <a:rPr lang="ko-KR" altLang="en-US" dirty="0"/>
-              <a:t>논문 </a:t>
-            </a:r>
-            <a:r>
-              <a:rPr lang="en-US" altLang="ko-KR" dirty="0"/>
-              <a:t>site</a:t>
-            </a:r>
-          </a:p>
-          <a:p>
-            <a:pPr lvl="1"/>
-            <a:endParaRPr lang="en-US" altLang="ko-KR" dirty="0"/>
-          </a:p>
-          <a:p>
-            <a:r>
-              <a:rPr lang="en-US" altLang="ko-KR" dirty="0"/>
-              <a:t>2. </a:t>
-            </a:r>
-            <a:r>
-              <a:rPr lang="en-US" altLang="ko-KR" dirty="0" err="1"/>
-              <a:t>github</a:t>
-            </a:r>
-            <a:r>
-              <a:rPr lang="en-US" altLang="ko-KR" dirty="0"/>
-              <a:t> site for PMGD </a:t>
-            </a:r>
-          </a:p>
-          <a:p>
-            <a:pPr lvl="1"/>
-            <a:r>
-              <a:rPr lang="en-US" altLang="ko-KR" dirty="0"/>
-              <a:t>https://github.com/IntelLabs/pmgd</a:t>
-            </a:r>
-          </a:p>
-          <a:p>
-            <a:r>
-              <a:rPr lang="en-US" altLang="ko-KR" dirty="0"/>
-              <a:t>3.github site for Visual Data Management System</a:t>
-            </a:r>
-          </a:p>
-          <a:p>
-            <a:pPr lvl="1"/>
-            <a:r>
-              <a:rPr lang="en-US" altLang="ko-KR" dirty="0"/>
-              <a:t>https://github.com/IntelLabs/vdms</a:t>
-            </a:r>
-          </a:p>
-        </p:txBody>
-      </p:sp>
-      <p:sp>
-        <p:nvSpPr>
-          <p:cNvPr id="4" name="슬라이드 번호 개체 틀 3">
-            <a:extLst>
-              <a:ext uri="{FF2B5EF4-FFF2-40B4-BE49-F238E27FC236}">
-                <a16:creationId xmlns:a16="http://schemas.microsoft.com/office/drawing/2014/main" id="{88588F26-B776-46E1-B035-124CE745BB81}"/>
-              </a:ext>
-            </a:extLst>
-          </p:cNvPr>
-          <p:cNvSpPr>
-            <a:spLocks noGrp="1"/>
-          </p:cNvSpPr>
-          <p:nvPr>
-            <p:ph type="sldNum" sz="quarter" idx="12"/>
-          </p:nvPr>
-        </p:nvSpPr>
-        <p:spPr/>
-        <p:txBody>
-          <a:bodyPr/>
-          <a:lstStyle/>
-          <a:p>
-            <a:fld id="{4BEDD84E-25D4-4983-8AA1-2863C96F08D9}" type="slidenum">
-              <a:rPr lang="ko-KR" altLang="en-US" smtClean="0"/>
-              <a:t>21</a:t>
-            </a:fld>
-            <a:endParaRPr lang="ko-KR" altLang="en-US"/>
-          </a:p>
-        </p:txBody>
-      </p:sp>
-    </p:spTree>
-    <p:extLst>
-      <p:ext uri="{BB962C8B-B14F-4D97-AF65-F5344CB8AC3E}">
-        <p14:creationId xmlns:p14="http://schemas.microsoft.com/office/powerpoint/2010/main" val="3755123583"/>
       </p:ext>
     </p:extLst>
   </p:cSld>
